--- a/Area_de_Proceso-_REQM/PGREQM_V1.0_2015_MOD_F.pptx
+++ b/Area_de_Proceso-_REQM/PGREQM_V1.0_2015_MOD_F.pptx
@@ -944,19 +944,7 @@
                 </a:outerShdw>
               </a:effectLst>
             </a:rPr>
-            <a:t>“Cliente</a:t>
-          </a:r>
-          <a:r>
-            <a:rPr lang="es-ES" sz="1600" b="1" dirty="0" smtClean="0">
-              <a:effectLst>
-                <a:outerShdw blurRad="38100" dist="38100" dir="2700000" algn="tl">
-                  <a:srgbClr val="000000">
-                    <a:alpha val="43137"/>
-                  </a:srgbClr>
-                </a:outerShdw>
-              </a:effectLst>
-            </a:rPr>
-            <a:t>”</a:t>
+            <a:t>“Cliente”</a:t>
           </a:r>
           <a:endParaRPr lang="es-PE" sz="1600" b="1" dirty="0">
             <a:effectLst>
@@ -1393,12 +1381,6 @@
             </a:rPr>
             <a:t>Solicita nuevos requerimientos.</a:t>
           </a:r>
-          <a:endParaRPr lang="es-PE" altLang="es-PE" sz="1300" dirty="0" smtClean="0">
-            <a:solidFill>
-              <a:schemeClr val="tx1"/>
-            </a:solidFill>
-            <a:latin typeface="+mj-lt"/>
-          </a:endParaRPr>
         </a:p>
       </dgm:t>
     </dgm:pt>
@@ -1440,12 +1422,6 @@
             </a:rPr>
             <a:t>Resuelve consultas acerca de los cambios solicitados en los requerimientos.</a:t>
           </a:r>
-          <a:endParaRPr lang="es-PE" altLang="es-PE" sz="1300" dirty="0" smtClean="0">
-            <a:solidFill>
-              <a:schemeClr val="tx1"/>
-            </a:solidFill>
-            <a:latin typeface="+mj-lt"/>
-          </a:endParaRPr>
         </a:p>
       </dgm:t>
     </dgm:pt>
@@ -1487,12 +1463,6 @@
             </a:rPr>
             <a:t>Autoriza la solicitud de un cambio.</a:t>
           </a:r>
-          <a:endParaRPr lang="es-PE" sz="1200" dirty="0" smtClean="0">
-            <a:solidFill>
-              <a:schemeClr val="tx1"/>
-            </a:solidFill>
-            <a:latin typeface="+mj-lt"/>
-          </a:endParaRPr>
         </a:p>
       </dgm:t>
     </dgm:pt>
@@ -1534,12 +1504,6 @@
             </a:rPr>
             <a:t>Define la organización para gestionar los requerimientos del Proyecto</a:t>
           </a:r>
-          <a:endParaRPr lang="es-PE" sz="1200" dirty="0" smtClean="0">
-            <a:solidFill>
-              <a:schemeClr val="tx1"/>
-            </a:solidFill>
-            <a:latin typeface="+mj-lt"/>
-          </a:endParaRPr>
         </a:p>
       </dgm:t>
     </dgm:pt>
@@ -1581,12 +1545,6 @@
             </a:rPr>
             <a:t>Tipifica los requerimientos según la “Plantilla de Lista Maestra de Requerimientos para el Proyecto.</a:t>
           </a:r>
-          <a:endParaRPr lang="es-PE" sz="1300" dirty="0" smtClean="0">
-            <a:solidFill>
-              <a:schemeClr val="tx1"/>
-            </a:solidFill>
-            <a:latin typeface="+mj-lt"/>
-          </a:endParaRPr>
         </a:p>
       </dgm:t>
     </dgm:pt>
@@ -1628,12 +1586,6 @@
             </a:rPr>
             <a:t>Expone los requerimientos definidos con la finalidad de obtener aprobación del Proveedor de requerimientos.</a:t>
           </a:r>
-          <a:endParaRPr lang="es-PE" sz="1300" dirty="0" smtClean="0">
-            <a:solidFill>
-              <a:srgbClr val="FF0000"/>
-            </a:solidFill>
-            <a:latin typeface="+mj-lt"/>
-          </a:endParaRPr>
         </a:p>
       </dgm:t>
     </dgm:pt>
@@ -1675,12 +1627,6 @@
             </a:rPr>
             <a:t>Registra y aplica las observaciones que se realicen a los requerimientos en proceso de aprobación.</a:t>
           </a:r>
-          <a:endParaRPr lang="es-PE" sz="1300" dirty="0" smtClean="0">
-            <a:solidFill>
-              <a:schemeClr val="tx1"/>
-            </a:solidFill>
-            <a:latin typeface="+mj-lt"/>
-          </a:endParaRPr>
         </a:p>
       </dgm:t>
     </dgm:pt>
@@ -1722,12 +1668,6 @@
             </a:rPr>
             <a:t>Prepara y presenta los requerimientos para autorización formal.</a:t>
           </a:r>
-          <a:endParaRPr lang="es-PE" sz="1300" dirty="0" smtClean="0">
-            <a:solidFill>
-              <a:schemeClr val="tx1"/>
-            </a:solidFill>
-            <a:latin typeface="+mj-lt"/>
-          </a:endParaRPr>
         </a:p>
       </dgm:t>
     </dgm:pt>
@@ -1769,12 +1709,6 @@
             </a:rPr>
             <a:t>Es responsable de la evaluación del impacto de un cambio en los requerimientos, indicando qué actividades del cronograma se verán afectadas por el cambio.</a:t>
           </a:r>
-          <a:endParaRPr lang="es-PE" sz="1300" dirty="0" smtClean="0">
-            <a:solidFill>
-              <a:schemeClr val="tx1"/>
-            </a:solidFill>
-            <a:latin typeface="+mj-lt"/>
-          </a:endParaRPr>
         </a:p>
       </dgm:t>
     </dgm:pt>
@@ -1971,41 +1905,41 @@
     </dgm:pt>
   </dgm:ptLst>
   <dgm:cxnLst>
-    <dgm:cxn modelId="{FED670FF-B6E3-4C27-8D28-916328769123}" srcId="{2DA36621-5AD9-43CE-974E-D6F11CA97388}" destId="{CA2C5EBC-8097-401B-BD83-DB7C3B41D40D}" srcOrd="2" destOrd="0" parTransId="{35EEC6EF-77AE-4C1C-87F1-244482C17AE0}" sibTransId="{BE640FD7-5169-49B8-B17E-F9162594DCC5}"/>
+    <dgm:cxn modelId="{0588F6A2-6307-4871-8336-680357DDB6FB}" type="presOf" srcId="{E6903C73-8DCB-4035-A9C3-F0717B48D13E}" destId="{606E3E56-5C5B-4E6D-B3B5-731FAFDC0CDE}" srcOrd="0" destOrd="0" presId="urn:microsoft.com/office/officeart/2005/8/layout/vList5"/>
+    <dgm:cxn modelId="{152B821C-2A92-4E23-9A03-329B25A4FEC3}" srcId="{98EAEFBA-6B1B-41FF-9ECF-E0BE9858B206}" destId="{0CB522DD-3D72-45F8-80E8-3C289CEC588B}" srcOrd="1" destOrd="0" parTransId="{5ABEF226-71B0-4C0F-AE03-9A65BCEF2CBD}" sibTransId="{2B50B44B-25E3-43C3-90BB-907B0A2D79FC}"/>
+    <dgm:cxn modelId="{554F3983-E20B-4D68-BE96-FAC1CDD83EF7}" srcId="{98EAEFBA-6B1B-41FF-9ECF-E0BE9858B206}" destId="{E0BEE149-A6A6-458C-8E7D-F46B219C40DA}" srcOrd="2" destOrd="0" parTransId="{7B71B81F-3319-4CE8-8AE9-14290982B7CE}" sibTransId="{2E049E4A-79CC-4E1B-998F-29739E3C0D63}"/>
+    <dgm:cxn modelId="{A3DEA26B-DB29-4139-8435-EB1200B60BC6}" srcId="{5C797779-C81B-43F3-8423-A700598B2677}" destId="{ACCA13B9-031D-4126-B460-6A7ED494DC1B}" srcOrd="3" destOrd="0" parTransId="{353FCA3C-F188-4DBA-B2D1-04DD0170E8BD}" sibTransId="{15D1A88D-399A-44CE-AA6E-8E77065C2E13}"/>
+    <dgm:cxn modelId="{16DD150B-F068-45D2-8DD2-45D0D202E971}" type="presOf" srcId="{46290710-1FA8-442F-98E7-199C33DF2A6A}" destId="{606E3E56-5C5B-4E6D-B3B5-731FAFDC0CDE}" srcOrd="0" destOrd="5" presId="urn:microsoft.com/office/officeart/2005/8/layout/vList5"/>
+    <dgm:cxn modelId="{1304828C-C401-4158-AF6B-CF66F6DECB73}" type="presOf" srcId="{AC3DA8F8-4E1E-4985-B6FF-45869DA7CCBA}" destId="{606E3E56-5C5B-4E6D-B3B5-731FAFDC0CDE}" srcOrd="0" destOrd="4" presId="urn:microsoft.com/office/officeart/2005/8/layout/vList5"/>
+    <dgm:cxn modelId="{7CE0CC06-7927-4653-9CC5-F545F1BD8E99}" type="presOf" srcId="{7074DA97-B849-4BFE-B9C8-2251A2A095F7}" destId="{90FF61B1-8C9B-462F-B4E1-EA95A07D6F86}" srcOrd="0" destOrd="0" presId="urn:microsoft.com/office/officeart/2005/8/layout/vList5"/>
     <dgm:cxn modelId="{25AFDD8D-5BBC-463D-846D-129D9C0C049A}" srcId="{2DA36621-5AD9-43CE-974E-D6F11CA97388}" destId="{96A8782A-14C0-4CBF-A2F5-0E12CF40F973}" srcOrd="1" destOrd="0" parTransId="{06E54880-5A47-4DFC-A478-2665F3B2ED2A}" sibTransId="{E929FD69-98D7-431E-8DBF-8CB9F60CA671}"/>
-    <dgm:cxn modelId="{40318578-2F46-4AFE-AD7A-C1C4112DB9AA}" type="presOf" srcId="{E3D32605-2223-480D-B69E-759FB6DB1567}" destId="{55A4A5BB-6FD8-475A-835C-B4EB380A1BDF}" srcOrd="0" destOrd="0" presId="urn:microsoft.com/office/officeart/2005/8/layout/vList5"/>
     <dgm:cxn modelId="{43E00D63-DCE7-4C1B-9EBD-F507EA687DA3}" srcId="{5C797779-C81B-43F3-8423-A700598B2677}" destId="{98EAEFBA-6B1B-41FF-9ECF-E0BE9858B206}" srcOrd="2" destOrd="0" parTransId="{7F7786B2-3C8E-4549-B3E1-B6320AF93840}" sibTransId="{D8278C2F-629A-4595-B7DF-8DF27587E636}"/>
     <dgm:cxn modelId="{5B407760-515A-40BF-8E5F-96EEA7E9966A}" srcId="{6B39907D-F20D-4C28-BC3D-FE4D86D767F5}" destId="{E3D32605-2223-480D-B69E-759FB6DB1567}" srcOrd="0" destOrd="0" parTransId="{97ADC7D8-32DF-4CAB-9261-5C1B54988A31}" sibTransId="{59122947-FA5D-44A6-9920-F97B0E2507F3}"/>
+    <dgm:cxn modelId="{BF8192FD-B028-456F-AF87-E89E885A816D}" type="presOf" srcId="{7AE57C0F-60A3-4408-9304-2FFFAB8E63B9}" destId="{55A4A5BB-6FD8-475A-835C-B4EB380A1BDF}" srcOrd="0" destOrd="1" presId="urn:microsoft.com/office/officeart/2005/8/layout/vList5"/>
+    <dgm:cxn modelId="{A1F050EF-36C8-4C8E-92DF-548C9982AB7B}" type="presOf" srcId="{96A8782A-14C0-4CBF-A2F5-0E12CF40F973}" destId="{90FF61B1-8C9B-462F-B4E1-EA95A07D6F86}" srcOrd="0" destOrd="1" presId="urn:microsoft.com/office/officeart/2005/8/layout/vList5"/>
+    <dgm:cxn modelId="{A086CA38-4DCC-43C8-BB63-0C0504A12FF5}" type="presOf" srcId="{CA2C5EBC-8097-401B-BD83-DB7C3B41D40D}" destId="{90FF61B1-8C9B-462F-B4E1-EA95A07D6F86}" srcOrd="0" destOrd="2" presId="urn:microsoft.com/office/officeart/2005/8/layout/vList5"/>
+    <dgm:cxn modelId="{90F6D8BD-9433-4FFA-B085-8A535E17A233}" type="presOf" srcId="{98EAEFBA-6B1B-41FF-9ECF-E0BE9858B206}" destId="{4F1584CA-B33D-4DB0-9C34-1ECED7CFA1C5}" srcOrd="0" destOrd="0" presId="urn:microsoft.com/office/officeart/2005/8/layout/vList5"/>
+    <dgm:cxn modelId="{ABD46A77-B3DE-4E59-9B43-98A6F3A696E3}" srcId="{98EAEFBA-6B1B-41FF-9ECF-E0BE9858B206}" destId="{AC3DA8F8-4E1E-4985-B6FF-45869DA7CCBA}" srcOrd="4" destOrd="0" parTransId="{D1606437-FB14-4116-8D30-B84C94480BCA}" sibTransId="{E9DB63DB-643F-4B05-B3B0-596BCC2E19AA}"/>
+    <dgm:cxn modelId="{7265392C-1662-4DC8-81B5-A44CAC1D1166}" type="presOf" srcId="{ACCA13B9-031D-4126-B460-6A7ED494DC1B}" destId="{0C172A3D-1747-485F-A12F-621E60BDAD9E}" srcOrd="0" destOrd="0" presId="urn:microsoft.com/office/officeart/2005/8/layout/vList5"/>
+    <dgm:cxn modelId="{DECB9C99-8048-42E7-9287-9E2696B41CBE}" srcId="{5C797779-C81B-43F3-8423-A700598B2677}" destId="{6B39907D-F20D-4C28-BC3D-FE4D86D767F5}" srcOrd="0" destOrd="0" parTransId="{748BEFB8-AE60-490B-8488-0A00E0B45F02}" sibTransId="{2284A0CD-EB66-4B22-8455-0956E716E68E}"/>
+    <dgm:cxn modelId="{40318578-2F46-4AFE-AD7A-C1C4112DB9AA}" type="presOf" srcId="{E3D32605-2223-480D-B69E-759FB6DB1567}" destId="{55A4A5BB-6FD8-475A-835C-B4EB380A1BDF}" srcOrd="0" destOrd="0" presId="urn:microsoft.com/office/officeart/2005/8/layout/vList5"/>
+    <dgm:cxn modelId="{050A99AE-20C2-47DF-ADAD-45AF9082DE52}" type="presOf" srcId="{111866BB-220F-4EC3-A8B3-C326FD1AB4BC}" destId="{606E3E56-5C5B-4E6D-B3B5-731FAFDC0CDE}" srcOrd="0" destOrd="3" presId="urn:microsoft.com/office/officeart/2005/8/layout/vList5"/>
+    <dgm:cxn modelId="{343B0383-D71F-47F0-9E93-3324E26F59DD}" type="presOf" srcId="{5C797779-C81B-43F3-8423-A700598B2677}" destId="{F6C33D35-E9A4-4BC8-B34B-3C838877C58B}" srcOrd="0" destOrd="0" presId="urn:microsoft.com/office/officeart/2005/8/layout/vList5"/>
+    <dgm:cxn modelId="{85C0341F-F06C-45CD-8EFE-10D6F7C9C7EF}" type="presOf" srcId="{2A4F17BD-B056-48E2-8974-63C18F8921F1}" destId="{55A4A5BB-6FD8-475A-835C-B4EB380A1BDF}" srcOrd="0" destOrd="2" presId="urn:microsoft.com/office/officeart/2005/8/layout/vList5"/>
+    <dgm:cxn modelId="{776ABC98-0B23-448D-93CB-769C89449A82}" srcId="{6B39907D-F20D-4C28-BC3D-FE4D86D767F5}" destId="{2A4F17BD-B056-48E2-8974-63C18F8921F1}" srcOrd="2" destOrd="0" parTransId="{51CB6F5A-9686-4871-9A6C-C964CD4E48AF}" sibTransId="{6E2D7D3F-CA66-4524-ABAE-40182FDC2C1A}"/>
+    <dgm:cxn modelId="{EAB1AE78-18A7-4A8C-AE01-0DCDD0546D3B}" type="presOf" srcId="{2DA36621-5AD9-43CE-974E-D6F11CA97388}" destId="{26EEAA25-729A-4075-87DC-0DA13F9B7FA1}" srcOrd="0" destOrd="0" presId="urn:microsoft.com/office/officeart/2005/8/layout/vList5"/>
+    <dgm:cxn modelId="{89EB4BB1-552B-4396-ADC9-788509323B59}" srcId="{98EAEFBA-6B1B-41FF-9ECF-E0BE9858B206}" destId="{46290710-1FA8-442F-98E7-199C33DF2A6A}" srcOrd="5" destOrd="0" parTransId="{66379941-A6B5-46C4-B7DD-EE464D615058}" sibTransId="{E816B780-F5C2-4D0C-9FD6-68CFC0EA2848}"/>
+    <dgm:cxn modelId="{145261E4-26FA-4460-A2B4-3DE5F2B77B83}" type="presOf" srcId="{6B39907D-F20D-4C28-BC3D-FE4D86D767F5}" destId="{8CC325B9-FE1B-4789-9E50-400E884AD525}" srcOrd="0" destOrd="0" presId="urn:microsoft.com/office/officeart/2005/8/layout/vList5"/>
+    <dgm:cxn modelId="{23765BDA-5BF7-4FA9-A8DE-3DD4C7706429}" srcId="{98EAEFBA-6B1B-41FF-9ECF-E0BE9858B206}" destId="{E6903C73-8DCB-4035-A9C3-F0717B48D13E}" srcOrd="0" destOrd="0" parTransId="{975554EB-176A-4182-AB67-69ED2B02DA03}" sibTransId="{D64BA345-7D81-4E30-81BC-BBF0C4E8A3D8}"/>
+    <dgm:cxn modelId="{5C1EC92E-C941-42BC-A6B8-740C1F8FEDB5}" type="presOf" srcId="{912786C0-1A5C-4994-B17A-49C3EA2CD46C}" destId="{50E57063-BAFE-4849-B27F-45AB6336F242}" srcOrd="0" destOrd="0" presId="urn:microsoft.com/office/officeart/2005/8/layout/vList5"/>
+    <dgm:cxn modelId="{3637DD71-23D9-4351-9BB1-D2BA21532DEE}" srcId="{6B39907D-F20D-4C28-BC3D-FE4D86D767F5}" destId="{7AE57C0F-60A3-4408-9304-2FFFAB8E63B9}" srcOrd="1" destOrd="0" parTransId="{7DFEE02C-EF79-449E-BF37-5F5C0B6BCC7F}" sibTransId="{E55462A3-07AA-4B57-B70A-321A6F7F63D2}"/>
     <dgm:cxn modelId="{6DA3E43F-E42E-40DF-91B3-93291F59DDB3}" srcId="{98EAEFBA-6B1B-41FF-9ECF-E0BE9858B206}" destId="{111866BB-220F-4EC3-A8B3-C326FD1AB4BC}" srcOrd="3" destOrd="0" parTransId="{86C4ABD8-DA0C-404E-89B5-F4E7D6E49BD3}" sibTransId="{3AC8A251-781B-4748-9C54-35E81A54DE9D}"/>
-    <dgm:cxn modelId="{16DD150B-F068-45D2-8DD2-45D0D202E971}" type="presOf" srcId="{46290710-1FA8-442F-98E7-199C33DF2A6A}" destId="{606E3E56-5C5B-4E6D-B3B5-731FAFDC0CDE}" srcOrd="0" destOrd="5" presId="urn:microsoft.com/office/officeart/2005/8/layout/vList5"/>
-    <dgm:cxn modelId="{A086CA38-4DCC-43C8-BB63-0C0504A12FF5}" type="presOf" srcId="{CA2C5EBC-8097-401B-BD83-DB7C3B41D40D}" destId="{90FF61B1-8C9B-462F-B4E1-EA95A07D6F86}" srcOrd="0" destOrd="2" presId="urn:microsoft.com/office/officeart/2005/8/layout/vList5"/>
-    <dgm:cxn modelId="{554F3983-E20B-4D68-BE96-FAC1CDD83EF7}" srcId="{98EAEFBA-6B1B-41FF-9ECF-E0BE9858B206}" destId="{E0BEE149-A6A6-458C-8E7D-F46B219C40DA}" srcOrd="2" destOrd="0" parTransId="{7B71B81F-3319-4CE8-8AE9-14290982B7CE}" sibTransId="{2E049E4A-79CC-4E1B-998F-29739E3C0D63}"/>
-    <dgm:cxn modelId="{3637DD71-23D9-4351-9BB1-D2BA21532DEE}" srcId="{6B39907D-F20D-4C28-BC3D-FE4D86D767F5}" destId="{7AE57C0F-60A3-4408-9304-2FFFAB8E63B9}" srcOrd="1" destOrd="0" parTransId="{7DFEE02C-EF79-449E-BF37-5F5C0B6BCC7F}" sibTransId="{E55462A3-07AA-4B57-B70A-321A6F7F63D2}"/>
-    <dgm:cxn modelId="{145261E4-26FA-4460-A2B4-3DE5F2B77B83}" type="presOf" srcId="{6B39907D-F20D-4C28-BC3D-FE4D86D767F5}" destId="{8CC325B9-FE1B-4789-9E50-400E884AD525}" srcOrd="0" destOrd="0" presId="urn:microsoft.com/office/officeart/2005/8/layout/vList5"/>
-    <dgm:cxn modelId="{152B821C-2A92-4E23-9A03-329B25A4FEC3}" srcId="{98EAEFBA-6B1B-41FF-9ECF-E0BE9858B206}" destId="{0CB522DD-3D72-45F8-80E8-3C289CEC588B}" srcOrd="1" destOrd="0" parTransId="{5ABEF226-71B0-4C0F-AE03-9A65BCEF2CBD}" sibTransId="{2B50B44B-25E3-43C3-90BB-907B0A2D79FC}"/>
-    <dgm:cxn modelId="{776ABC98-0B23-448D-93CB-769C89449A82}" srcId="{6B39907D-F20D-4C28-BC3D-FE4D86D767F5}" destId="{2A4F17BD-B056-48E2-8974-63C18F8921F1}" srcOrd="2" destOrd="0" parTransId="{51CB6F5A-9686-4871-9A6C-C964CD4E48AF}" sibTransId="{6E2D7D3F-CA66-4524-ABAE-40182FDC2C1A}"/>
-    <dgm:cxn modelId="{A1F050EF-36C8-4C8E-92DF-548C9982AB7B}" type="presOf" srcId="{96A8782A-14C0-4CBF-A2F5-0E12CF40F973}" destId="{90FF61B1-8C9B-462F-B4E1-EA95A07D6F86}" srcOrd="0" destOrd="1" presId="urn:microsoft.com/office/officeart/2005/8/layout/vList5"/>
-    <dgm:cxn modelId="{ABD46A77-B3DE-4E59-9B43-98A6F3A696E3}" srcId="{98EAEFBA-6B1B-41FF-9ECF-E0BE9858B206}" destId="{AC3DA8F8-4E1E-4985-B6FF-45869DA7CCBA}" srcOrd="4" destOrd="0" parTransId="{D1606437-FB14-4116-8D30-B84C94480BCA}" sibTransId="{E9DB63DB-643F-4B05-B3B0-596BCC2E19AA}"/>
+    <dgm:cxn modelId="{DFDDD0F7-24BE-4C28-9ABD-E96658C95677}" srcId="{2DA36621-5AD9-43CE-974E-D6F11CA97388}" destId="{7074DA97-B849-4BFE-B9C8-2251A2A095F7}" srcOrd="0" destOrd="0" parTransId="{1F7BCBF4-E74D-4A33-8BD5-70D7559B5B20}" sibTransId="{AC3E9007-C5F9-4B5E-AD84-0C150F814ECB}"/>
+    <dgm:cxn modelId="{FED670FF-B6E3-4C27-8D28-916328769123}" srcId="{2DA36621-5AD9-43CE-974E-D6F11CA97388}" destId="{CA2C5EBC-8097-401B-BD83-DB7C3B41D40D}" srcOrd="2" destOrd="0" parTransId="{35EEC6EF-77AE-4C1C-87F1-244482C17AE0}" sibTransId="{BE640FD7-5169-49B8-B17E-F9162594DCC5}"/>
+    <dgm:cxn modelId="{41E70123-8BE2-4162-81A8-E0CBFED1B886}" srcId="{ACCA13B9-031D-4126-B460-6A7ED494DC1B}" destId="{912786C0-1A5C-4994-B17A-49C3EA2CD46C}" srcOrd="0" destOrd="0" parTransId="{2CC0A6A4-3743-4D4D-BDCF-B51C37F2880A}" sibTransId="{C5D0A306-E29B-443C-87A3-42E83C27595D}"/>
     <dgm:cxn modelId="{FE659F88-2B45-4670-AABD-B8DF5CD1A135}" type="presOf" srcId="{E0BEE149-A6A6-458C-8E7D-F46B219C40DA}" destId="{606E3E56-5C5B-4E6D-B3B5-731FAFDC0CDE}" srcOrd="0" destOrd="2" presId="urn:microsoft.com/office/officeart/2005/8/layout/vList5"/>
-    <dgm:cxn modelId="{DFDDD0F7-24BE-4C28-9ABD-E96658C95677}" srcId="{2DA36621-5AD9-43CE-974E-D6F11CA97388}" destId="{7074DA97-B849-4BFE-B9C8-2251A2A095F7}" srcOrd="0" destOrd="0" parTransId="{1F7BCBF4-E74D-4A33-8BD5-70D7559B5B20}" sibTransId="{AC3E9007-C5F9-4B5E-AD84-0C150F814ECB}"/>
-    <dgm:cxn modelId="{7265392C-1662-4DC8-81B5-A44CAC1D1166}" type="presOf" srcId="{ACCA13B9-031D-4126-B460-6A7ED494DC1B}" destId="{0C172A3D-1747-485F-A12F-621E60BDAD9E}" srcOrd="0" destOrd="0" presId="urn:microsoft.com/office/officeart/2005/8/layout/vList5"/>
-    <dgm:cxn modelId="{23765BDA-5BF7-4FA9-A8DE-3DD4C7706429}" srcId="{98EAEFBA-6B1B-41FF-9ECF-E0BE9858B206}" destId="{E6903C73-8DCB-4035-A9C3-F0717B48D13E}" srcOrd="0" destOrd="0" parTransId="{975554EB-176A-4182-AB67-69ED2B02DA03}" sibTransId="{D64BA345-7D81-4E30-81BC-BBF0C4E8A3D8}"/>
     <dgm:cxn modelId="{CA81D715-E163-4407-8910-21651B4E2E17}" type="presOf" srcId="{0CB522DD-3D72-45F8-80E8-3C289CEC588B}" destId="{606E3E56-5C5B-4E6D-B3B5-731FAFDC0CDE}" srcOrd="0" destOrd="1" presId="urn:microsoft.com/office/officeart/2005/8/layout/vList5"/>
     <dgm:cxn modelId="{039ADF45-69CB-48DA-861A-F9B3C049FF7F}" srcId="{5C797779-C81B-43F3-8423-A700598B2677}" destId="{2DA36621-5AD9-43CE-974E-D6F11CA97388}" srcOrd="1" destOrd="0" parTransId="{A13BD8B3-D15A-4AE1-B5DC-A23D683691CC}" sibTransId="{7F85B649-8D87-4C46-8400-47D1CD9CF92C}"/>
-    <dgm:cxn modelId="{85C0341F-F06C-45CD-8EFE-10D6F7C9C7EF}" type="presOf" srcId="{2A4F17BD-B056-48E2-8974-63C18F8921F1}" destId="{55A4A5BB-6FD8-475A-835C-B4EB380A1BDF}" srcOrd="0" destOrd="2" presId="urn:microsoft.com/office/officeart/2005/8/layout/vList5"/>
-    <dgm:cxn modelId="{5C1EC92E-C941-42BC-A6B8-740C1F8FEDB5}" type="presOf" srcId="{912786C0-1A5C-4994-B17A-49C3EA2CD46C}" destId="{50E57063-BAFE-4849-B27F-45AB6336F242}" srcOrd="0" destOrd="0" presId="urn:microsoft.com/office/officeart/2005/8/layout/vList5"/>
-    <dgm:cxn modelId="{EAB1AE78-18A7-4A8C-AE01-0DCDD0546D3B}" type="presOf" srcId="{2DA36621-5AD9-43CE-974E-D6F11CA97388}" destId="{26EEAA25-729A-4075-87DC-0DA13F9B7FA1}" srcOrd="0" destOrd="0" presId="urn:microsoft.com/office/officeart/2005/8/layout/vList5"/>
-    <dgm:cxn modelId="{DECB9C99-8048-42E7-9287-9E2696B41CBE}" srcId="{5C797779-C81B-43F3-8423-A700598B2677}" destId="{6B39907D-F20D-4C28-BC3D-FE4D86D767F5}" srcOrd="0" destOrd="0" parTransId="{748BEFB8-AE60-490B-8488-0A00E0B45F02}" sibTransId="{2284A0CD-EB66-4B22-8455-0956E716E68E}"/>
-    <dgm:cxn modelId="{41E70123-8BE2-4162-81A8-E0CBFED1B886}" srcId="{ACCA13B9-031D-4126-B460-6A7ED494DC1B}" destId="{912786C0-1A5C-4994-B17A-49C3EA2CD46C}" srcOrd="0" destOrd="0" parTransId="{2CC0A6A4-3743-4D4D-BDCF-B51C37F2880A}" sibTransId="{C5D0A306-E29B-443C-87A3-42E83C27595D}"/>
-    <dgm:cxn modelId="{7CE0CC06-7927-4653-9CC5-F545F1BD8E99}" type="presOf" srcId="{7074DA97-B849-4BFE-B9C8-2251A2A095F7}" destId="{90FF61B1-8C9B-462F-B4E1-EA95A07D6F86}" srcOrd="0" destOrd="0" presId="urn:microsoft.com/office/officeart/2005/8/layout/vList5"/>
-    <dgm:cxn modelId="{343B0383-D71F-47F0-9E93-3324E26F59DD}" type="presOf" srcId="{5C797779-C81B-43F3-8423-A700598B2677}" destId="{F6C33D35-E9A4-4BC8-B34B-3C838877C58B}" srcOrd="0" destOrd="0" presId="urn:microsoft.com/office/officeart/2005/8/layout/vList5"/>
-    <dgm:cxn modelId="{0588F6A2-6307-4871-8336-680357DDB6FB}" type="presOf" srcId="{E6903C73-8DCB-4035-A9C3-F0717B48D13E}" destId="{606E3E56-5C5B-4E6D-B3B5-731FAFDC0CDE}" srcOrd="0" destOrd="0" presId="urn:microsoft.com/office/officeart/2005/8/layout/vList5"/>
-    <dgm:cxn modelId="{050A99AE-20C2-47DF-ADAD-45AF9082DE52}" type="presOf" srcId="{111866BB-220F-4EC3-A8B3-C326FD1AB4BC}" destId="{606E3E56-5C5B-4E6D-B3B5-731FAFDC0CDE}" srcOrd="0" destOrd="3" presId="urn:microsoft.com/office/officeart/2005/8/layout/vList5"/>
-    <dgm:cxn modelId="{89EB4BB1-552B-4396-ADC9-788509323B59}" srcId="{98EAEFBA-6B1B-41FF-9ECF-E0BE9858B206}" destId="{46290710-1FA8-442F-98E7-199C33DF2A6A}" srcOrd="5" destOrd="0" parTransId="{66379941-A6B5-46C4-B7DD-EE464D615058}" sibTransId="{E816B780-F5C2-4D0C-9FD6-68CFC0EA2848}"/>
-    <dgm:cxn modelId="{A3DEA26B-DB29-4139-8435-EB1200B60BC6}" srcId="{5C797779-C81B-43F3-8423-A700598B2677}" destId="{ACCA13B9-031D-4126-B460-6A7ED494DC1B}" srcOrd="3" destOrd="0" parTransId="{353FCA3C-F188-4DBA-B2D1-04DD0170E8BD}" sibTransId="{15D1A88D-399A-44CE-AA6E-8E77065C2E13}"/>
-    <dgm:cxn modelId="{90F6D8BD-9433-4FFA-B085-8A535E17A233}" type="presOf" srcId="{98EAEFBA-6B1B-41FF-9ECF-E0BE9858B206}" destId="{4F1584CA-B33D-4DB0-9C34-1ECED7CFA1C5}" srcOrd="0" destOrd="0" presId="urn:microsoft.com/office/officeart/2005/8/layout/vList5"/>
-    <dgm:cxn modelId="{1304828C-C401-4158-AF6B-CF66F6DECB73}" type="presOf" srcId="{AC3DA8F8-4E1E-4985-B6FF-45869DA7CCBA}" destId="{606E3E56-5C5B-4E6D-B3B5-731FAFDC0CDE}" srcOrd="0" destOrd="4" presId="urn:microsoft.com/office/officeart/2005/8/layout/vList5"/>
-    <dgm:cxn modelId="{BF8192FD-B028-456F-AF87-E89E885A816D}" type="presOf" srcId="{7AE57C0F-60A3-4408-9304-2FFFAB8E63B9}" destId="{55A4A5BB-6FD8-475A-835C-B4EB380A1BDF}" srcOrd="0" destOrd="1" presId="urn:microsoft.com/office/officeart/2005/8/layout/vList5"/>
     <dgm:cxn modelId="{5C36649C-00BE-403A-876A-49473CA99285}" type="presParOf" srcId="{F6C33D35-E9A4-4BC8-B34B-3C838877C58B}" destId="{AB898A08-95DB-40D9-A3D0-F2DF70757586}" srcOrd="0" destOrd="0" presId="urn:microsoft.com/office/officeart/2005/8/layout/vList5"/>
     <dgm:cxn modelId="{70633151-EE40-491B-9479-BE1E8A809B27}" type="presParOf" srcId="{AB898A08-95DB-40D9-A3D0-F2DF70757586}" destId="{8CC325B9-FE1B-4789-9E50-400E884AD525}" srcOrd="0" destOrd="0" presId="urn:microsoft.com/office/officeart/2005/8/layout/vList5"/>
     <dgm:cxn modelId="{8BCD06CE-AAB2-4963-86BC-18DF22F588C4}" type="presParOf" srcId="{AB898A08-95DB-40D9-A3D0-F2DF70757586}" destId="{55A4A5BB-6FD8-475A-835C-B4EB380A1BDF}" srcOrd="1" destOrd="0" presId="urn:microsoft.com/office/officeart/2005/8/layout/vList5"/>
@@ -2146,12 +2080,6 @@
             </a:rPr>
             <a:t>Solicita nuevos requerimientos.</a:t>
           </a:r>
-          <a:endParaRPr lang="es-PE" altLang="es-PE" sz="1300" kern="1200" dirty="0" smtClean="0">
-            <a:solidFill>
-              <a:schemeClr val="tx1"/>
-            </a:solidFill>
-            <a:latin typeface="+mj-lt"/>
-          </a:endParaRPr>
         </a:p>
         <a:p>
           <a:pPr marL="114300" lvl="1" indent="-114300" algn="l" defTabSz="577850">
@@ -2175,12 +2103,6 @@
             </a:rPr>
             <a:t>Resuelve consultas acerca de los cambios solicitados en los requerimientos.</a:t>
           </a:r>
-          <a:endParaRPr lang="es-PE" altLang="es-PE" sz="1300" kern="1200" dirty="0" smtClean="0">
-            <a:solidFill>
-              <a:schemeClr val="tx1"/>
-            </a:solidFill>
-            <a:latin typeface="+mj-lt"/>
-          </a:endParaRPr>
         </a:p>
       </dsp:txBody>
       <dsp:txXfrm rot="-5400000">
@@ -2288,19 +2210,7 @@
                 </a:outerShdw>
               </a:effectLst>
             </a:rPr>
-            <a:t>“Cliente</a:t>
-          </a:r>
-          <a:r>
-            <a:rPr lang="es-ES" sz="1600" b="1" kern="1200" dirty="0" smtClean="0">
-              <a:effectLst>
-                <a:outerShdw blurRad="38100" dist="38100" dir="2700000" algn="tl">
-                  <a:srgbClr val="000000">
-                    <a:alpha val="43137"/>
-                  </a:srgbClr>
-                </a:outerShdw>
-              </a:effectLst>
-            </a:rPr>
-            <a:t>”</a:t>
+            <a:t>“Cliente”</a:t>
           </a:r>
           <a:endParaRPr lang="es-PE" sz="1600" b="1" kern="1200" dirty="0">
             <a:effectLst>
@@ -2424,12 +2334,6 @@
             </a:rPr>
             <a:t>Autoriza la solicitud de un cambio.</a:t>
           </a:r>
-          <a:endParaRPr lang="es-PE" sz="1200" kern="1200" dirty="0" smtClean="0">
-            <a:solidFill>
-              <a:schemeClr val="tx1"/>
-            </a:solidFill>
-            <a:latin typeface="+mj-lt"/>
-          </a:endParaRPr>
         </a:p>
         <a:p>
           <a:pPr marL="114300" lvl="1" indent="-114300" algn="l" defTabSz="533400">
@@ -2453,12 +2357,6 @@
             </a:rPr>
             <a:t>Define la organización para gestionar los requerimientos del Proyecto</a:t>
           </a:r>
-          <a:endParaRPr lang="es-PE" sz="1200" kern="1200" dirty="0" smtClean="0">
-            <a:solidFill>
-              <a:schemeClr val="tx1"/>
-            </a:solidFill>
-            <a:latin typeface="+mj-lt"/>
-          </a:endParaRPr>
         </a:p>
       </dsp:txBody>
       <dsp:txXfrm rot="-5400000">
@@ -2690,12 +2588,6 @@
             </a:rPr>
             <a:t>Tipifica los requerimientos según la “Plantilla de Lista Maestra de Requerimientos para el Proyecto.</a:t>
           </a:r>
-          <a:endParaRPr lang="es-PE" sz="1300" kern="1200" dirty="0" smtClean="0">
-            <a:solidFill>
-              <a:schemeClr val="tx1"/>
-            </a:solidFill>
-            <a:latin typeface="+mj-lt"/>
-          </a:endParaRPr>
         </a:p>
         <a:p>
           <a:pPr marL="114300" lvl="1" indent="-114300" algn="l" defTabSz="577850">
@@ -2719,12 +2611,6 @@
             </a:rPr>
             <a:t>Expone los requerimientos definidos con la finalidad de obtener aprobación del Proveedor de requerimientos.</a:t>
           </a:r>
-          <a:endParaRPr lang="es-PE" sz="1300" kern="1200" dirty="0" smtClean="0">
-            <a:solidFill>
-              <a:srgbClr val="FF0000"/>
-            </a:solidFill>
-            <a:latin typeface="+mj-lt"/>
-          </a:endParaRPr>
         </a:p>
         <a:p>
           <a:pPr marL="114300" lvl="1" indent="-114300" algn="l" defTabSz="577850">
@@ -2748,12 +2634,6 @@
             </a:rPr>
             <a:t>Registra y aplica las observaciones que se realicen a los requerimientos en proceso de aprobación.</a:t>
           </a:r>
-          <a:endParaRPr lang="es-PE" sz="1300" kern="1200" dirty="0" smtClean="0">
-            <a:solidFill>
-              <a:schemeClr val="tx1"/>
-            </a:solidFill>
-            <a:latin typeface="+mj-lt"/>
-          </a:endParaRPr>
         </a:p>
         <a:p>
           <a:pPr marL="114300" lvl="1" indent="-114300" algn="l" defTabSz="577850">
@@ -2777,12 +2657,6 @@
             </a:rPr>
             <a:t>Prepara y presenta los requerimientos para autorización formal.</a:t>
           </a:r>
-          <a:endParaRPr lang="es-PE" sz="1300" kern="1200" dirty="0" smtClean="0">
-            <a:solidFill>
-              <a:schemeClr val="tx1"/>
-            </a:solidFill>
-            <a:latin typeface="+mj-lt"/>
-          </a:endParaRPr>
         </a:p>
         <a:p>
           <a:pPr marL="114300" lvl="1" indent="-114300" algn="l" defTabSz="577850">
@@ -2806,12 +2680,6 @@
             </a:rPr>
             <a:t>Es responsable de la evaluación del impacto de un cambio en los requerimientos, indicando qué actividades del cronograma se verán afectadas por el cambio.</a:t>
           </a:r>
-          <a:endParaRPr lang="es-PE" sz="1300" kern="1200" dirty="0" smtClean="0">
-            <a:solidFill>
-              <a:schemeClr val="tx1"/>
-            </a:solidFill>
-            <a:latin typeface="+mj-lt"/>
-          </a:endParaRPr>
         </a:p>
       </dsp:txBody>
       <dsp:txXfrm rot="-5400000">
@@ -4492,7 +4360,7 @@
           <a:p>
             <a:fld id="{56F99C03-A70A-4B29-84B2-81DDC41A991A}" type="datetimeFigureOut">
               <a:rPr lang="es-PE" smtClean="0"/>
-              <a:t>11/10/2015</a:t>
+              <a:t>14/10/2015</a:t>
             </a:fld>
             <a:endParaRPr lang="es-PE"/>
           </a:p>
@@ -5708,7 +5576,7 @@
           <a:p>
             <a:fld id="{216C5678-EE20-4FA5-88E2-6E0BD67A2E26}" type="datetime1">
               <a:rPr lang="en-US" smtClean="0"/>
-              <a:t>10/11/2015</a:t>
+              <a:t>10/14/2015</a:t>
             </a:fld>
             <a:endParaRPr lang="en-US" dirty="0"/>
           </a:p>
@@ -5878,7 +5746,7 @@
           <a:p>
             <a:fld id="{EA051B39-B140-43FE-96DB-472A2B59CE7C}" type="datetime1">
               <a:rPr lang="en-US" smtClean="0"/>
-              <a:t>10/11/2015</a:t>
+              <a:t>10/14/2015</a:t>
             </a:fld>
             <a:endParaRPr lang="en-US"/>
           </a:p>
@@ -6058,7 +5926,7 @@
           <a:p>
             <a:fld id="{DA600BB2-27C5-458B-ABCE-839C88CF47CE}" type="datetime1">
               <a:rPr lang="en-US" smtClean="0"/>
-              <a:t>10/11/2015</a:t>
+              <a:t>10/14/2015</a:t>
             </a:fld>
             <a:endParaRPr lang="en-US"/>
           </a:p>
@@ -6471,7 +6339,7 @@
           <a:p>
             <a:fld id="{B11D738E-8962-435F-8C43-147B8DD7E819}" type="datetime1">
               <a:rPr lang="en-US" smtClean="0"/>
-              <a:t>10/11/2015</a:t>
+              <a:t>10/14/2015</a:t>
             </a:fld>
             <a:endParaRPr lang="en-US"/>
           </a:p>
@@ -6738,7 +6606,7 @@
           <a:p>
             <a:fld id="{09CAEA93-55E7-4DA9-90C2-089A26EEFEC4}" type="datetime1">
               <a:rPr lang="en-US" smtClean="0"/>
-              <a:t>10/11/2015</a:t>
+              <a:t>10/14/2015</a:t>
             </a:fld>
             <a:endParaRPr lang="en-US"/>
           </a:p>
@@ -7091,7 +6959,7 @@
           <a:p>
             <a:fld id="{E34CF3C7-6809-4F39-BD67-A75817BDDE0A}" type="datetime1">
               <a:rPr lang="en-US" smtClean="0"/>
-              <a:t>10/11/2015</a:t>
+              <a:t>10/14/2015</a:t>
             </a:fld>
             <a:endParaRPr lang="en-US"/>
           </a:p>
@@ -7404,7 +7272,7 @@
           <a:p>
             <a:fld id="{F7EAEB24-CE78-465C-A726-91D0868FA48F}" type="datetime1">
               <a:rPr lang="en-US" smtClean="0"/>
-              <a:t>10/11/2015</a:t>
+              <a:t>10/14/2015</a:t>
             </a:fld>
             <a:endParaRPr lang="en-US"/>
           </a:p>
@@ -7636,7 +7504,7 @@
           <a:p>
             <a:fld id="{40BAADF0-1749-4E8B-9691-B44A5F8C0895}" type="datetime1">
               <a:rPr lang="en-US" smtClean="0"/>
-              <a:t>10/11/2015</a:t>
+              <a:t>10/14/2015</a:t>
             </a:fld>
             <a:endParaRPr lang="en-US"/>
           </a:p>
@@ -7731,7 +7599,7 @@
           <a:p>
             <a:fld id="{A8AF628A-A867-4937-BBE5-207DB6F9C51A}" type="datetime1">
               <a:rPr lang="en-US" smtClean="0"/>
-              <a:t>10/11/2015</a:t>
+              <a:t>10/14/2015</a:t>
             </a:fld>
             <a:endParaRPr lang="en-US"/>
           </a:p>
@@ -8024,7 +7892,7 @@
           <a:p>
             <a:fld id="{118BBB94-68E6-4675-A946-F1C5994EDBD7}" type="datetime1">
               <a:rPr lang="en-US" smtClean="0"/>
-              <a:t>10/11/2015</a:t>
+              <a:t>10/14/2015</a:t>
             </a:fld>
             <a:endParaRPr lang="en-US"/>
           </a:p>
@@ -8298,7 +8166,7 @@
           <a:p>
             <a:fld id="{DC3B8377-21E3-4835-B75D-4E2847E2750F}" type="datetime1">
               <a:rPr lang="en-US" smtClean="0"/>
-              <a:t>10/11/2015</a:t>
+              <a:t>10/14/2015</a:t>
             </a:fld>
             <a:endParaRPr lang="en-US"/>
           </a:p>
@@ -8513,7 +8381,7 @@
           <a:p>
             <a:fld id="{B0C4986D-6BE9-4264-908F-02DB36FD8D6C}" type="datetime1">
               <a:rPr lang="en-US" smtClean="0"/>
-              <a:t>10/11/2015</a:t>
+              <a:t>10/14/2015</a:t>
             </a:fld>
             <a:endParaRPr lang="en-US" dirty="0"/>
           </a:p>
@@ -9055,7 +8923,7 @@
           <a:p>
             <a:fld id="{216C5678-EE20-4FA5-88E2-6E0BD67A2E26}" type="datetime1">
               <a:rPr lang="en-US" smtClean="0"/>
-              <a:t>10/11/2015</a:t>
+              <a:t>10/14/2015</a:t>
             </a:fld>
             <a:endParaRPr lang="en-US" dirty="0"/>
           </a:p>
@@ -9564,7 +9432,7 @@
           <a:p>
             <a:fld id="{216C5678-EE20-4FA5-88E2-6E0BD67A2E26}" type="datetime1">
               <a:rPr lang="en-US" smtClean="0"/>
-              <a:t>10/11/2015</a:t>
+              <a:t>10/14/2015</a:t>
             </a:fld>
             <a:endParaRPr lang="en-US" dirty="0"/>
           </a:p>
@@ -10112,7 +9980,7 @@
           <a:p>
             <a:fld id="{216C5678-EE20-4FA5-88E2-6E0BD67A2E26}" type="datetime1">
               <a:rPr lang="en-US" smtClean="0"/>
-              <a:t>10/12/2015</a:t>
+              <a:t>10/14/2015</a:t>
             </a:fld>
             <a:endParaRPr lang="en-US" dirty="0"/>
           </a:p>
@@ -10238,25 +10106,7 @@
                 <a:ea typeface="+mj-ea"/>
                 <a:cs typeface="+mj-cs"/>
               </a:rPr>
-              <a:t>PROCESO DE GESTIÓN DE </a:t>
-            </a:r>
-            <a:r>
-              <a:rPr lang="es-ES" sz="6000" dirty="0" smtClean="0">
-                <a:solidFill>
-                  <a:schemeClr val="tx2"/>
-                </a:solidFill>
-                <a:effectLst>
-                  <a:outerShdw blurRad="63500" dist="38100" dir="5400000" algn="t" rotWithShape="0">
-                    <a:prstClr val="black">
-                      <a:alpha val="25000"/>
-                    </a:prstClr>
-                  </a:outerShdw>
-                </a:effectLst>
-                <a:latin typeface="+mn-lt"/>
-                <a:ea typeface="+mj-ea"/>
-                <a:cs typeface="+mj-cs"/>
-              </a:rPr>
-              <a:t>CAMBIOS A REQUERIMIENTOS</a:t>
+              <a:t>PROCESO DE GESTIÓN DE CAMBIOS A REQUERIMIENTOS</a:t>
             </a:r>
             <a:endParaRPr lang="es-PE" sz="6000" dirty="0">
               <a:solidFill>
@@ -10293,7 +10143,7 @@
           <a:p>
             <a:fld id="{216C5678-EE20-4FA5-88E2-6E0BD67A2E26}" type="datetime1">
               <a:rPr lang="en-US" smtClean="0"/>
-              <a:t>10/11/2015</a:t>
+              <a:t>10/14/2015</a:t>
             </a:fld>
             <a:endParaRPr lang="en-US" dirty="0"/>
           </a:p>
@@ -10544,7 +10394,7 @@
           <a:p>
             <a:fld id="{216C5678-EE20-4FA5-88E2-6E0BD67A2E26}" type="datetime1">
               <a:rPr lang="en-US" smtClean="0"/>
-              <a:t>10/11/2015</a:t>
+              <a:t>10/14/2015</a:t>
             </a:fld>
             <a:endParaRPr lang="en-US" dirty="0"/>
           </a:p>
@@ -17572,11 +17422,7 @@
           <a:p>
             <a:r>
               <a:rPr lang="es-PE" sz="4400" u="sng" dirty="0" smtClean="0"/>
-              <a:t>SUBPROCESOS </a:t>
-            </a:r>
-            <a:r>
-              <a:rPr lang="es-PE" sz="4400" u="sng" dirty="0" smtClean="0"/>
-              <a:t>DE GESTIÓN DE CAMBIOS A REQUERIMIENTOS</a:t>
+              <a:t>SUBPROCESOS DE GESTIÓN DE CAMBIOS A REQUERIMIENTOS</a:t>
             </a:r>
             <a:endParaRPr lang="es-PE" sz="4400" u="sng" dirty="0"/>
           </a:p>
@@ -17679,7 +17525,7 @@
           <p:nvPr>
             <p:extLst>
               <p:ext uri="{D42A27DB-BD31-4B8C-83A1-F6EECF244321}">
-                <p14:modId xmlns:p14="http://schemas.microsoft.com/office/powerpoint/2010/main" val="4178818379"/>
+                <p14:modId xmlns:p14="http://schemas.microsoft.com/office/powerpoint/2010/main" val="4239509621"/>
               </p:ext>
             </p:extLst>
           </p:nvPr>
@@ -17876,7 +17722,7 @@
                       <a:r>
                         <a:rPr lang="es-PE" sz="1200" b="1" kern="1200" dirty="0" smtClean="0">
                           <a:solidFill>
-                            <a:srgbClr val="FF0000"/>
+                            <a:schemeClr val="tx1"/>
                           </a:solidFill>
                           <a:latin typeface="+mj-lt"/>
                           <a:ea typeface="Verdana" panose="020B0604030504040204" pitchFamily="34" charset="0"/>
@@ -17884,14 +17730,6 @@
                         </a:rPr>
                         <a:t>Proveedor de cambios a requerimientos</a:t>
                       </a:r>
-                      <a:endParaRPr lang="es-PE" sz="1200" b="1" kern="1200" dirty="0" smtClean="0">
-                        <a:solidFill>
-                          <a:srgbClr val="FF0000"/>
-                        </a:solidFill>
-                        <a:latin typeface="+mj-lt"/>
-                        <a:ea typeface="Verdana" panose="020B0604030504040204" pitchFamily="34" charset="0"/>
-                        <a:cs typeface="Verdana" panose="020B0604030504040204" pitchFamily="34" charset="0"/>
-                      </a:endParaRPr>
                     </a:p>
                   </a:txBody>
                   <a:tcPr marT="45726" marB="45726" anchor="ctr" horzOverflow="overflow"/>
@@ -17962,62 +17800,7 @@
                           <a:ea typeface="Verdana" panose="020B0604030504040204" pitchFamily="34" charset="0"/>
                           <a:cs typeface="Verdana" panose="020B0604030504040204" pitchFamily="34" charset="0"/>
                         </a:rPr>
-                        <a:t>El analista funcional </a:t>
-                      </a:r>
-                      <a:r>
-                        <a:rPr lang="es-PE" sz="1200" kern="1200" dirty="0" smtClean="0">
-                          <a:solidFill>
-                            <a:schemeClr val="dk1"/>
-                          </a:solidFill>
-                          <a:latin typeface="+mj-lt"/>
-                          <a:ea typeface="Verdana" panose="020B0604030504040204" pitchFamily="34" charset="0"/>
-                          <a:cs typeface="Verdana" panose="020B0604030504040204" pitchFamily="34" charset="0"/>
-                        </a:rPr>
-                        <a:t>recepciona </a:t>
-                      </a:r>
-                      <a:r>
-                        <a:rPr lang="es-PE" sz="1200" kern="1200" dirty="0" smtClean="0">
-                          <a:solidFill>
-                            <a:schemeClr val="dk1"/>
-                          </a:solidFill>
-                          <a:latin typeface="+mj-lt"/>
-                          <a:ea typeface="Verdana" panose="020B0604030504040204" pitchFamily="34" charset="0"/>
-                          <a:cs typeface="Verdana" panose="020B0604030504040204" pitchFamily="34" charset="0"/>
-                        </a:rPr>
-                        <a:t>los </a:t>
-                      </a:r>
-                      <a:r>
-                        <a:rPr lang="es-PE" sz="1200" kern="1200" dirty="0" smtClean="0">
-                          <a:solidFill>
-                            <a:schemeClr val="dk1"/>
-                          </a:solidFill>
-                          <a:latin typeface="+mj-lt"/>
-                          <a:ea typeface="Verdana" panose="020B0604030504040204" pitchFamily="34" charset="0"/>
-                          <a:cs typeface="Verdana" panose="020B0604030504040204" pitchFamily="34" charset="0"/>
-                        </a:rPr>
-                        <a:t>requerimientos </a:t>
-                      </a:r>
-                      <a:r>
-                        <a:rPr lang="es-PE" sz="1200" kern="1200" dirty="0" smtClean="0">
-                          <a:solidFill>
-                            <a:schemeClr val="dk1"/>
-                          </a:solidFill>
-                          <a:latin typeface="+mj-lt"/>
-                          <a:ea typeface="Verdana" panose="020B0604030504040204" pitchFamily="34" charset="0"/>
-                          <a:cs typeface="Verdana" panose="020B0604030504040204" pitchFamily="34" charset="0"/>
-                        </a:rPr>
-                        <a:t>emitidos, y </a:t>
-                      </a:r>
-                      <a:r>
-                        <a:rPr lang="es-PE" sz="1200" kern="1200" dirty="0" smtClean="0">
-                          <a:solidFill>
-                            <a:schemeClr val="dk1"/>
-                          </a:solidFill>
-                          <a:latin typeface="+mj-lt"/>
-                          <a:ea typeface="Verdana" panose="020B0604030504040204" pitchFamily="34" charset="0"/>
-                          <a:cs typeface="Verdana" panose="020B0604030504040204" pitchFamily="34" charset="0"/>
-                        </a:rPr>
-                        <a:t>luego</a:t>
+                        <a:t>El analista funcional recepciona los requerimientos emitidos, y luego</a:t>
                       </a:r>
                       <a:r>
                         <a:rPr lang="es-PE" sz="1200" kern="1200" baseline="0" dirty="0" smtClean="0">
@@ -18039,7 +17822,7 @@
                           <a:ea typeface="Verdana" panose="020B0604030504040204" pitchFamily="34" charset="0"/>
                           <a:cs typeface="Verdana" panose="020B0604030504040204" pitchFamily="34" charset="0"/>
                         </a:rPr>
-                        <a:t>registra </a:t>
+                        <a:t>registra la solicitud de cambio en la Plantilla de Registro de Cambios a </a:t>
                       </a:r>
                       <a:r>
                         <a:rPr lang="es-ES" sz="1200" kern="1200" dirty="0" smtClean="0">
@@ -18050,8 +17833,16 @@
                           <a:ea typeface="Verdana" panose="020B0604030504040204" pitchFamily="34" charset="0"/>
                           <a:cs typeface="Verdana" panose="020B0604030504040204" pitchFamily="34" charset="0"/>
                         </a:rPr>
-                        <a:t>la solicitud de cambio en la Plantilla de Registro de Cambios a Requerimientos de Proyectos.</a:t>
+                        <a:t>Requerimientos.</a:t>
                       </a:r>
+                      <a:endParaRPr lang="es-ES" sz="1200" kern="1200" dirty="0" smtClean="0">
+                        <a:solidFill>
+                          <a:schemeClr val="dk1"/>
+                        </a:solidFill>
+                        <a:latin typeface="+mj-lt"/>
+                        <a:ea typeface="Verdana" panose="020B0604030504040204" pitchFamily="34" charset="0"/>
+                        <a:cs typeface="Verdana" panose="020B0604030504040204" pitchFamily="34" charset="0"/>
+                      </a:endParaRPr>
                     </a:p>
                   </a:txBody>
                   <a:tcPr anchor="ctr" horzOverflow="overflow"/>
@@ -18155,8 +17946,38 @@
                           <a:ea typeface="Verdana" panose="020B0604030504040204" pitchFamily="34" charset="0"/>
                           <a:cs typeface="Verdana" panose="020B0604030504040204" pitchFamily="34" charset="0"/>
                         </a:rPr>
-                        <a:t>Registro de Cambios a Requerimientos de Proyectos</a:t>
+                        <a:t>Registro de Cambios </a:t>
                       </a:r>
+                      <a:r>
+                        <a:rPr lang="es-ES" sz="1200" kern="1200" smtClean="0">
+                          <a:solidFill>
+                            <a:schemeClr val="dk1"/>
+                          </a:solidFill>
+                          <a:latin typeface="+mj-lt"/>
+                          <a:ea typeface="Verdana" panose="020B0604030504040204" pitchFamily="34" charset="0"/>
+                          <a:cs typeface="Verdana" panose="020B0604030504040204" pitchFamily="34" charset="0"/>
+                        </a:rPr>
+                        <a:t>a </a:t>
+                      </a:r>
+                      <a:r>
+                        <a:rPr lang="es-ES" sz="1200" kern="1200" smtClean="0">
+                          <a:solidFill>
+                            <a:schemeClr val="dk1"/>
+                          </a:solidFill>
+                          <a:latin typeface="+mj-lt"/>
+                          <a:ea typeface="Verdana" panose="020B0604030504040204" pitchFamily="34" charset="0"/>
+                          <a:cs typeface="Verdana" panose="020B0604030504040204" pitchFamily="34" charset="0"/>
+                        </a:rPr>
+                        <a:t>Requerimientos.</a:t>
+                      </a:r>
+                      <a:endParaRPr lang="es-ES" sz="1200" kern="1200" dirty="0" smtClean="0">
+                        <a:solidFill>
+                          <a:schemeClr val="dk1"/>
+                        </a:solidFill>
+                        <a:latin typeface="+mj-lt"/>
+                        <a:ea typeface="Verdana" panose="020B0604030504040204" pitchFamily="34" charset="0"/>
+                        <a:cs typeface="Verdana" panose="020B0604030504040204" pitchFamily="34" charset="0"/>
+                      </a:endParaRPr>
                     </a:p>
                   </a:txBody>
                   <a:tcPr anchor="ctr" horzOverflow="overflow"/>
@@ -18466,7 +18287,7 @@
                       <a:r>
                         <a:rPr lang="es-PE" sz="1200" b="1" kern="1200" dirty="0" smtClean="0">
                           <a:solidFill>
-                            <a:srgbClr val="FF0000"/>
+                            <a:schemeClr val="tx1"/>
                           </a:solidFill>
                           <a:latin typeface="+mj-lt"/>
                           <a:ea typeface="Verdana" panose="020B0604030504040204" pitchFamily="34" charset="0"/>
@@ -18474,14 +18295,6 @@
                         </a:rPr>
                         <a:t>Aprobador de cambios en requerimientos</a:t>
                       </a:r>
-                      <a:endParaRPr lang="es-PE" sz="1200" b="1" kern="1200" dirty="0" smtClean="0">
-                        <a:solidFill>
-                          <a:srgbClr val="FF0000"/>
-                        </a:solidFill>
-                        <a:latin typeface="+mj-lt"/>
-                        <a:ea typeface="Verdana" panose="020B0604030504040204" pitchFamily="34" charset="0"/>
-                        <a:cs typeface="Verdana" panose="020B0604030504040204" pitchFamily="34" charset="0"/>
-                      </a:endParaRPr>
                     </a:p>
                   </a:txBody>
                   <a:tcPr marT="45691" marB="45691" anchor="ctr" horzOverflow="overflow"/>
@@ -18677,7 +18490,7 @@
           <a:p>
             <a:fld id="{216C5678-EE20-4FA5-88E2-6E0BD67A2E26}" type="datetime1">
               <a:rPr lang="en-US" smtClean="0"/>
-              <a:t>10/12/2015</a:t>
+              <a:t>10/14/2015</a:t>
             </a:fld>
             <a:endParaRPr lang="en-US" dirty="0"/>
           </a:p>
@@ -19674,7 +19487,7 @@
           <a:p>
             <a:fld id="{216C5678-EE20-4FA5-88E2-6E0BD67A2E26}" type="datetime1">
               <a:rPr lang="en-US" smtClean="0"/>
-              <a:t>10/12/2015</a:t>
+              <a:t>10/14/2015</a:t>
             </a:fld>
             <a:endParaRPr lang="en-US" dirty="0"/>
           </a:p>
@@ -19984,7 +19797,7 @@
           <a:p>
             <a:fld id="{216C5678-EE20-4FA5-88E2-6E0BD67A2E26}" type="datetime1">
               <a:rPr lang="en-US" smtClean="0"/>
-              <a:t>10/11/2015</a:t>
+              <a:t>10/14/2015</a:t>
             </a:fld>
             <a:endParaRPr lang="en-US" dirty="0"/>
           </a:p>
@@ -20262,7 +20075,7 @@
           <a:p>
             <a:fld id="{216C5678-EE20-4FA5-88E2-6E0BD67A2E26}" type="datetime1">
               <a:rPr lang="en-US" smtClean="0"/>
-              <a:t>10/11/2015</a:t>
+              <a:t>10/14/2015</a:t>
             </a:fld>
             <a:endParaRPr lang="en-US" dirty="0"/>
           </a:p>
@@ -20385,11 +20198,7 @@
           <a:p>
             <a:r>
               <a:rPr lang="es-ES" sz="6300" dirty="0" smtClean="0"/>
-              <a:t>PROCESO DE GESTIÓN </a:t>
-            </a:r>
-            <a:r>
-              <a:rPr lang="es-ES" sz="6300" dirty="0" smtClean="0"/>
-              <a:t>DE CAMBIOS DE REQUERIMIENTOS</a:t>
+              <a:t>PROCESO DE GESTIÓN DE CAMBIOS DE REQUERIMIENTOS</a:t>
             </a:r>
             <a:endParaRPr lang="es-PE" sz="6300" dirty="0"/>
           </a:p>
@@ -20468,7 +20277,7 @@
           <a:p>
             <a:fld id="{216C5678-EE20-4FA5-88E2-6E0BD67A2E26}" type="datetime1">
               <a:rPr lang="en-US" smtClean="0"/>
-              <a:t>10/11/2015</a:t>
+              <a:t>10/14/2015</a:t>
             </a:fld>
             <a:endParaRPr lang="en-US" dirty="0"/>
           </a:p>
@@ -20668,7 +20477,7 @@
           <a:p>
             <a:fld id="{216C5678-EE20-4FA5-88E2-6E0BD67A2E26}" type="datetime1">
               <a:rPr lang="en-US" smtClean="0"/>
-              <a:t>10/11/2015</a:t>
+              <a:t>10/14/2015</a:t>
             </a:fld>
             <a:endParaRPr lang="en-US" dirty="0"/>
           </a:p>
@@ -22139,18 +21948,7 @@
                           <a:ea typeface="Verdana" panose="020B0604030504040204" pitchFamily="34" charset="0"/>
                           <a:cs typeface="Verdana" panose="020B0604030504040204" pitchFamily="34" charset="0"/>
                         </a:rPr>
-                        <a:t>Manejo </a:t>
-                      </a:r>
-                      <a:r>
-                        <a:rPr lang="es-ES" sz="1200" kern="1200" dirty="0" smtClean="0">
-                          <a:solidFill>
-                            <a:schemeClr val="dk1"/>
-                          </a:solidFill>
-                          <a:latin typeface="+mj-lt"/>
-                          <a:ea typeface="Verdana" panose="020B0604030504040204" pitchFamily="34" charset="0"/>
-                          <a:cs typeface="Verdana" panose="020B0604030504040204" pitchFamily="34" charset="0"/>
-                        </a:rPr>
-                        <a:t>de cambios a requerimientos</a:t>
+                        <a:t>Manejo de cambios a requerimientos</a:t>
                       </a:r>
                     </a:p>
                   </a:txBody>
@@ -22494,18 +22292,7 @@
                           <a:ea typeface="Verdana" panose="020B0604030504040204" pitchFamily="34" charset="0"/>
                           <a:cs typeface="Verdana" panose="020B0604030504040204" pitchFamily="34" charset="0"/>
                         </a:rPr>
-                        <a:t>Manejo </a:t>
-                      </a:r>
-                      <a:r>
-                        <a:rPr lang="es-ES" sz="1200" kern="1200" dirty="0" smtClean="0">
-                          <a:solidFill>
-                            <a:schemeClr val="dk1"/>
-                          </a:solidFill>
-                          <a:latin typeface="+mj-lt"/>
-                          <a:ea typeface="Verdana" panose="020B0604030504040204" pitchFamily="34" charset="0"/>
-                          <a:cs typeface="Verdana" panose="020B0604030504040204" pitchFamily="34" charset="0"/>
-                        </a:rPr>
-                        <a:t>de cambios a requerimientos</a:t>
+                        <a:t>Manejo de cambios a requerimientos</a:t>
                       </a:r>
                     </a:p>
                   </a:txBody>
@@ -22849,18 +22636,7 @@
                           <a:ea typeface="Verdana" panose="020B0604030504040204" pitchFamily="34" charset="0"/>
                           <a:cs typeface="Verdana" panose="020B0604030504040204" pitchFamily="34" charset="0"/>
                         </a:rPr>
-                        <a:t>Manejo </a:t>
-                      </a:r>
-                      <a:r>
-                        <a:rPr lang="es-ES" sz="1200" kern="1200" dirty="0" smtClean="0">
-                          <a:solidFill>
-                            <a:schemeClr val="dk1"/>
-                          </a:solidFill>
-                          <a:latin typeface="+mj-lt"/>
-                          <a:ea typeface="Verdana" panose="020B0604030504040204" pitchFamily="34" charset="0"/>
-                          <a:cs typeface="Verdana" panose="020B0604030504040204" pitchFamily="34" charset="0"/>
-                        </a:rPr>
-                        <a:t>de cambios a requerimientos</a:t>
+                        <a:t>Manejo de cambios a requerimientos</a:t>
                       </a:r>
                     </a:p>
                   </a:txBody>
@@ -23154,7 +22930,7 @@
           <a:p>
             <a:fld id="{216C5678-EE20-4FA5-88E2-6E0BD67A2E26}" type="datetime1">
               <a:rPr lang="en-US" smtClean="0"/>
-              <a:t>10/11/2015</a:t>
+              <a:t>10/14/2015</a:t>
             </a:fld>
             <a:endParaRPr lang="en-US" dirty="0"/>
           </a:p>
@@ -23604,14 +23380,6 @@
                         </a:rPr>
                         <a:t>09/10/2015</a:t>
                       </a:r>
-                      <a:endParaRPr lang="es-ES" sz="1200" b="1" kern="1200" dirty="0" smtClean="0">
-                        <a:solidFill>
-                          <a:schemeClr val="dk1"/>
-                        </a:solidFill>
-                        <a:latin typeface="+mj-lt"/>
-                        <a:ea typeface="Verdana" panose="020B0604030504040204" pitchFamily="34" charset="0"/>
-                        <a:cs typeface="Verdana" panose="020B0604030504040204" pitchFamily="34" charset="0"/>
-                      </a:endParaRPr>
                     </a:p>
                   </a:txBody>
                   <a:tcPr marT="45702" marB="45702" anchor="ctr" horzOverflow="overflow"/>
@@ -23646,18 +23414,7 @@
                           <a:ea typeface="Verdana" panose="020B0604030504040204" pitchFamily="34" charset="0"/>
                           <a:cs typeface="Verdana" panose="020B0604030504040204" pitchFamily="34" charset="0"/>
                         </a:rPr>
-                        <a:t>Julio </a:t>
-                      </a:r>
-                      <a:r>
-                        <a:rPr lang="es-ES" sz="1200" b="1" kern="1200" dirty="0" smtClean="0">
-                          <a:solidFill>
-                            <a:schemeClr val="dk1"/>
-                          </a:solidFill>
-                          <a:latin typeface="+mj-lt"/>
-                          <a:ea typeface="Verdana" panose="020B0604030504040204" pitchFamily="34" charset="0"/>
-                          <a:cs typeface="Verdana" panose="020B0604030504040204" pitchFamily="34" charset="0"/>
-                        </a:rPr>
-                        <a:t>Leonardo</a:t>
+                        <a:t>Julio Leonardo</a:t>
                       </a:r>
                     </a:p>
                     <a:p>
@@ -23743,14 +23500,6 @@
                         </a:rPr>
                         <a:t>EN REVISIÓN</a:t>
                       </a:r>
-                      <a:endParaRPr lang="es-ES" sz="1200" b="1" kern="1200" dirty="0" smtClean="0">
-                        <a:solidFill>
-                          <a:schemeClr val="dk1"/>
-                        </a:solidFill>
-                        <a:latin typeface="+mj-lt"/>
-                        <a:ea typeface="Verdana" panose="020B0604030504040204" pitchFamily="34" charset="0"/>
-                        <a:cs typeface="Verdana" panose="020B0604030504040204" pitchFamily="34" charset="0"/>
-                      </a:endParaRPr>
                     </a:p>
                   </a:txBody>
                   <a:tcPr marT="45702" marB="45702" anchor="ctr" horzOverflow="overflow"/>
@@ -23838,14 +23587,6 @@
                         </a:rPr>
                         <a:t>(Jefe de Proyecto)</a:t>
                       </a:r>
-                      <a:endParaRPr lang="es-ES" sz="1200" b="1" kern="1200" dirty="0" smtClean="0">
-                        <a:solidFill>
-                          <a:schemeClr val="dk1"/>
-                        </a:solidFill>
-                        <a:latin typeface="+mj-lt"/>
-                        <a:ea typeface="Verdana" panose="020B0604030504040204" pitchFamily="34" charset="0"/>
-                        <a:cs typeface="Verdana" panose="020B0604030504040204" pitchFamily="34" charset="0"/>
-                      </a:endParaRPr>
                     </a:p>
                   </a:txBody>
                   <a:tcPr marT="45702" marB="45702" anchor="ctr" horzOverflow="overflow"/>
@@ -25346,7 +25087,7 @@
             <a:fld id="{216C5678-EE20-4FA5-88E2-6E0BD67A2E26}" type="datetime1">
               <a:rPr lang="en-US" smtClean="0"/>
               <a:pPr/>
-              <a:t>10/11/2015</a:t>
+              <a:t>10/14/2015</a:t>
             </a:fld>
             <a:endParaRPr lang="en-US" dirty="0"/>
           </a:p>
@@ -25506,7 +25247,7 @@
           <a:p>
             <a:fld id="{216C5678-EE20-4FA5-88E2-6E0BD67A2E26}" type="datetime1">
               <a:rPr lang="en-US" smtClean="0"/>
-              <a:t>10/11/2015</a:t>
+              <a:t>10/14/2015</a:t>
             </a:fld>
             <a:endParaRPr lang="en-US" dirty="0"/>
           </a:p>
@@ -25756,15 +25497,7 @@
                   <a:schemeClr val="tx1"/>
                 </a:solidFill>
               </a:rPr>
-              <a:t>ALARM</a:t>
-            </a:r>
-            <a:r>
-              <a:rPr lang="es-PE" sz="2500" dirty="0" smtClean="0">
-                <a:solidFill>
-                  <a:schemeClr val="tx1"/>
-                </a:solidFill>
-              </a:rPr>
-              <a:t>.</a:t>
+              <a:t>ALARM.</a:t>
             </a:r>
             <a:endParaRPr lang="es-PE" sz="2500" dirty="0">
               <a:solidFill>
@@ -25879,7 +25612,7 @@
           <a:p>
             <a:fld id="{216C5678-EE20-4FA5-88E2-6E0BD67A2E26}" type="datetime1">
               <a:rPr lang="en-US" smtClean="0"/>
-              <a:t>10/11/2015</a:t>
+              <a:t>10/14/2015</a:t>
             </a:fld>
             <a:endParaRPr lang="en-US" dirty="0"/>
           </a:p>
@@ -26069,7 +25802,7 @@
           <a:p>
             <a:fld id="{216C5678-EE20-4FA5-88E2-6E0BD67A2E26}" type="datetime1">
               <a:rPr lang="en-US" smtClean="0"/>
-              <a:t>10/11/2015</a:t>
+              <a:t>10/14/2015</a:t>
             </a:fld>
             <a:endParaRPr lang="en-US" dirty="0"/>
           </a:p>
@@ -26430,14 +26163,6 @@
                         </a:rPr>
                         <a:t>Cualquier modificación en los requerimientos acordados. Los requerimientos nuevos son considerados también cambios. </a:t>
                       </a:r>
-                      <a:endParaRPr lang="es-PE" sz="1300" kern="1200" dirty="0" smtClean="0">
-                        <a:solidFill>
-                          <a:schemeClr val="dk1"/>
-                        </a:solidFill>
-                        <a:latin typeface="+mj-lt"/>
-                        <a:ea typeface="Verdana" panose="020B0604030504040204" pitchFamily="34" charset="0"/>
-                        <a:cs typeface="Verdana" panose="020B0604030504040204" pitchFamily="34" charset="0"/>
-                      </a:endParaRPr>
                     </a:p>
                   </a:txBody>
                   <a:tcPr marT="45713" marB="45713" anchor="ctr" horzOverflow="overflow"/>
@@ -26499,14 +26224,6 @@
                         </a:rPr>
                         <a:t>Requerimientos acordados</a:t>
                       </a:r>
-                      <a:endParaRPr lang="es-ES" sz="1300" b="1" kern="1200" dirty="0" smtClean="0">
-                        <a:solidFill>
-                          <a:schemeClr val="dk1"/>
-                        </a:solidFill>
-                        <a:latin typeface="+mj-lt"/>
-                        <a:ea typeface="Verdana" panose="020B0604030504040204" pitchFamily="34" charset="0"/>
-                        <a:cs typeface="Verdana" panose="020B0604030504040204" pitchFamily="34" charset="0"/>
-                      </a:endParaRPr>
                     </a:p>
                   </a:txBody>
                   <a:tcPr marT="45713" marB="45713" anchor="ctr" horzOverflow="overflow"/>
@@ -26543,14 +26260,6 @@
                         </a:rPr>
                         <a:t>Son los requerimientos que han sido aprobados y autorizados, en lo  que constituye el alcance del requerimiento</a:t>
                       </a:r>
-                      <a:endParaRPr lang="es-PE" sz="1300" kern="1200" dirty="0" smtClean="0">
-                        <a:solidFill>
-                          <a:schemeClr val="dk1"/>
-                        </a:solidFill>
-                        <a:latin typeface="+mj-lt"/>
-                        <a:ea typeface="Verdana" panose="020B0604030504040204" pitchFamily="34" charset="0"/>
-                        <a:cs typeface="Verdana" panose="020B0604030504040204" pitchFamily="34" charset="0"/>
-                      </a:endParaRPr>
                     </a:p>
                   </a:txBody>
                   <a:tcPr marT="45713" marB="45713" anchor="ctr" horzOverflow="overflow"/>
@@ -26612,14 +26321,6 @@
                         </a:rPr>
                         <a:t>Aprobador de requerimientos</a:t>
                       </a:r>
-                      <a:endParaRPr lang="es-ES" sz="1300" b="1" kern="1200" dirty="0" smtClean="0">
-                        <a:solidFill>
-                          <a:schemeClr val="dk1"/>
-                        </a:solidFill>
-                        <a:latin typeface="+mj-lt"/>
-                        <a:ea typeface="Verdana" panose="020B0604030504040204" pitchFamily="34" charset="0"/>
-                        <a:cs typeface="Verdana" panose="020B0604030504040204" pitchFamily="34" charset="0"/>
-                      </a:endParaRPr>
                     </a:p>
                   </a:txBody>
                   <a:tcPr marT="45713" marB="45713" anchor="ctr" horzOverflow="overflow"/>
@@ -26656,14 +26357,6 @@
                         </a:rPr>
                         <a:t>Se refiere a la aprobación que reciben los requerimientos en las capas funcionales del servicio, es decir, a nivel de usuarios según lo que se defina en el Plan de Gestión de Requerimientos</a:t>
                       </a:r>
-                      <a:endParaRPr lang="es-PE" sz="1300" kern="1200" dirty="0" smtClean="0">
-                        <a:solidFill>
-                          <a:schemeClr val="dk1"/>
-                        </a:solidFill>
-                        <a:latin typeface="+mj-lt"/>
-                        <a:ea typeface="Verdana" panose="020B0604030504040204" pitchFamily="34" charset="0"/>
-                        <a:cs typeface="Verdana" panose="020B0604030504040204" pitchFamily="34" charset="0"/>
-                      </a:endParaRPr>
                     </a:p>
                   </a:txBody>
                   <a:tcPr marT="45713" marB="45713" anchor="ctr" horzOverflow="overflow"/>
@@ -26723,18 +26416,7 @@
                           <a:ea typeface="Verdana" panose="020B0604030504040204" pitchFamily="34" charset="0"/>
                           <a:cs typeface="Verdana" panose="020B0604030504040204" pitchFamily="34" charset="0"/>
                         </a:rPr>
-                        <a:t>Plan </a:t>
-                      </a:r>
-                      <a:r>
-                        <a:rPr lang="es-ES" sz="1300" b="1" kern="1200" dirty="0" smtClean="0">
-                          <a:solidFill>
-                            <a:schemeClr val="dk1"/>
-                          </a:solidFill>
-                          <a:latin typeface="+mj-lt"/>
-                          <a:ea typeface="Verdana" panose="020B0604030504040204" pitchFamily="34" charset="0"/>
-                          <a:cs typeface="Verdana" panose="020B0604030504040204" pitchFamily="34" charset="0"/>
-                        </a:rPr>
-                        <a:t>de Gestión</a:t>
+                        <a:t>Plan de Gestión</a:t>
                       </a:r>
                       <a:r>
                         <a:rPr lang="es-ES" sz="1300" b="1" kern="1200" baseline="0" dirty="0" smtClean="0">
@@ -26849,7 +26531,7 @@
           <a:p>
             <a:fld id="{216C5678-EE20-4FA5-88E2-6E0BD67A2E26}" type="datetime1">
               <a:rPr lang="en-US" smtClean="0"/>
-              <a:t>10/11/2015</a:t>
+              <a:t>10/14/2015</a:t>
             </a:fld>
             <a:endParaRPr lang="en-US" dirty="0"/>
           </a:p>
@@ -27012,7 +26694,7 @@
           <a:p>
             <a:fld id="{216C5678-EE20-4FA5-88E2-6E0BD67A2E26}" type="datetime1">
               <a:rPr lang="en-US" smtClean="0"/>
-              <a:t>10/11/2015</a:t>
+              <a:t>10/14/2015</a:t>
             </a:fld>
             <a:endParaRPr lang="en-US" dirty="0"/>
           </a:p>
@@ -27238,7 +26920,7 @@
           <a:p>
             <a:fld id="{216C5678-EE20-4FA5-88E2-6E0BD67A2E26}" type="datetime1">
               <a:rPr lang="en-US" smtClean="0"/>
-              <a:t>10/11/2015</a:t>
+              <a:t>10/14/2015</a:t>
             </a:fld>
             <a:endParaRPr lang="en-US" dirty="0"/>
           </a:p>

--- a/Area_de_Proceso-_REQM/PGREQM_V1.0_2015_MOD_F.pptx
+++ b/Area_de_Proceso-_REQM/PGREQM_V1.0_2015_MOD_F.pptx
@@ -1580,7 +1580,7 @@
           <a:r>
             <a:rPr lang="es-PE" sz="1300" dirty="0" smtClean="0">
               <a:solidFill>
-                <a:srgbClr val="FF0000"/>
+                <a:schemeClr val="tx1"/>
               </a:solidFill>
               <a:latin typeface="+mj-lt"/>
             </a:rPr>
@@ -2605,7 +2605,7 @@
           <a:r>
             <a:rPr lang="es-PE" sz="1300" kern="1200" dirty="0" smtClean="0">
               <a:solidFill>
-                <a:srgbClr val="FF0000"/>
+                <a:schemeClr val="tx1"/>
               </a:solidFill>
               <a:latin typeface="+mj-lt"/>
             </a:rPr>
@@ -4360,7 +4360,7 @@
           <a:p>
             <a:fld id="{56F99C03-A70A-4B29-84B2-81DDC41A991A}" type="datetimeFigureOut">
               <a:rPr lang="es-PE" smtClean="0"/>
-              <a:t>14/10/2015</a:t>
+              <a:t>18/10/2015</a:t>
             </a:fld>
             <a:endParaRPr lang="es-PE"/>
           </a:p>
@@ -5576,7 +5576,7 @@
           <a:p>
             <a:fld id="{216C5678-EE20-4FA5-88E2-6E0BD67A2E26}" type="datetime1">
               <a:rPr lang="en-US" smtClean="0"/>
-              <a:t>10/14/2015</a:t>
+              <a:t>10/18/2015</a:t>
             </a:fld>
             <a:endParaRPr lang="en-US" dirty="0"/>
           </a:p>
@@ -5746,7 +5746,7 @@
           <a:p>
             <a:fld id="{EA051B39-B140-43FE-96DB-472A2B59CE7C}" type="datetime1">
               <a:rPr lang="en-US" smtClean="0"/>
-              <a:t>10/14/2015</a:t>
+              <a:t>10/18/2015</a:t>
             </a:fld>
             <a:endParaRPr lang="en-US"/>
           </a:p>
@@ -5926,7 +5926,7 @@
           <a:p>
             <a:fld id="{DA600BB2-27C5-458B-ABCE-839C88CF47CE}" type="datetime1">
               <a:rPr lang="en-US" smtClean="0"/>
-              <a:t>10/14/2015</a:t>
+              <a:t>10/18/2015</a:t>
             </a:fld>
             <a:endParaRPr lang="en-US"/>
           </a:p>
@@ -6339,7 +6339,7 @@
           <a:p>
             <a:fld id="{B11D738E-8962-435F-8C43-147B8DD7E819}" type="datetime1">
               <a:rPr lang="en-US" smtClean="0"/>
-              <a:t>10/14/2015</a:t>
+              <a:t>10/18/2015</a:t>
             </a:fld>
             <a:endParaRPr lang="en-US"/>
           </a:p>
@@ -6606,7 +6606,7 @@
           <a:p>
             <a:fld id="{09CAEA93-55E7-4DA9-90C2-089A26EEFEC4}" type="datetime1">
               <a:rPr lang="en-US" smtClean="0"/>
-              <a:t>10/14/2015</a:t>
+              <a:t>10/18/2015</a:t>
             </a:fld>
             <a:endParaRPr lang="en-US"/>
           </a:p>
@@ -6959,7 +6959,7 @@
           <a:p>
             <a:fld id="{E34CF3C7-6809-4F39-BD67-A75817BDDE0A}" type="datetime1">
               <a:rPr lang="en-US" smtClean="0"/>
-              <a:t>10/14/2015</a:t>
+              <a:t>10/18/2015</a:t>
             </a:fld>
             <a:endParaRPr lang="en-US"/>
           </a:p>
@@ -7272,7 +7272,7 @@
           <a:p>
             <a:fld id="{F7EAEB24-CE78-465C-A726-91D0868FA48F}" type="datetime1">
               <a:rPr lang="en-US" smtClean="0"/>
-              <a:t>10/14/2015</a:t>
+              <a:t>10/18/2015</a:t>
             </a:fld>
             <a:endParaRPr lang="en-US"/>
           </a:p>
@@ -7504,7 +7504,7 @@
           <a:p>
             <a:fld id="{40BAADF0-1749-4E8B-9691-B44A5F8C0895}" type="datetime1">
               <a:rPr lang="en-US" smtClean="0"/>
-              <a:t>10/14/2015</a:t>
+              <a:t>10/18/2015</a:t>
             </a:fld>
             <a:endParaRPr lang="en-US"/>
           </a:p>
@@ -7599,7 +7599,7 @@
           <a:p>
             <a:fld id="{A8AF628A-A867-4937-BBE5-207DB6F9C51A}" type="datetime1">
               <a:rPr lang="en-US" smtClean="0"/>
-              <a:t>10/14/2015</a:t>
+              <a:t>10/18/2015</a:t>
             </a:fld>
             <a:endParaRPr lang="en-US"/>
           </a:p>
@@ -7892,7 +7892,7 @@
           <a:p>
             <a:fld id="{118BBB94-68E6-4675-A946-F1C5994EDBD7}" type="datetime1">
               <a:rPr lang="en-US" smtClean="0"/>
-              <a:t>10/14/2015</a:t>
+              <a:t>10/18/2015</a:t>
             </a:fld>
             <a:endParaRPr lang="en-US"/>
           </a:p>
@@ -8166,7 +8166,7 @@
           <a:p>
             <a:fld id="{DC3B8377-21E3-4835-B75D-4E2847E2750F}" type="datetime1">
               <a:rPr lang="en-US" smtClean="0"/>
-              <a:t>10/14/2015</a:t>
+              <a:t>10/18/2015</a:t>
             </a:fld>
             <a:endParaRPr lang="en-US"/>
           </a:p>
@@ -8381,7 +8381,7 @@
           <a:p>
             <a:fld id="{B0C4986D-6BE9-4264-908F-02DB36FD8D6C}" type="datetime1">
               <a:rPr lang="en-US" smtClean="0"/>
-              <a:t>10/14/2015</a:t>
+              <a:t>10/18/2015</a:t>
             </a:fld>
             <a:endParaRPr lang="en-US" dirty="0"/>
           </a:p>
@@ -8923,7 +8923,7 @@
           <a:p>
             <a:fld id="{216C5678-EE20-4FA5-88E2-6E0BD67A2E26}" type="datetime1">
               <a:rPr lang="en-US" smtClean="0"/>
-              <a:t>10/14/2015</a:t>
+              <a:t>10/18/2015</a:t>
             </a:fld>
             <a:endParaRPr lang="en-US" dirty="0"/>
           </a:p>
@@ -9432,7 +9432,7 @@
           <a:p>
             <a:fld id="{216C5678-EE20-4FA5-88E2-6E0BD67A2E26}" type="datetime1">
               <a:rPr lang="en-US" smtClean="0"/>
-              <a:t>10/14/2015</a:t>
+              <a:t>10/18/2015</a:t>
             </a:fld>
             <a:endParaRPr lang="en-US" dirty="0"/>
           </a:p>
@@ -9980,7 +9980,7 @@
           <a:p>
             <a:fld id="{216C5678-EE20-4FA5-88E2-6E0BD67A2E26}" type="datetime1">
               <a:rPr lang="en-US" smtClean="0"/>
-              <a:t>10/14/2015</a:t>
+              <a:t>10/18/2015</a:t>
             </a:fld>
             <a:endParaRPr lang="en-US" dirty="0"/>
           </a:p>
@@ -10143,7 +10143,7 @@
           <a:p>
             <a:fld id="{216C5678-EE20-4FA5-88E2-6E0BD67A2E26}" type="datetime1">
               <a:rPr lang="en-US" smtClean="0"/>
-              <a:t>10/14/2015</a:t>
+              <a:t>10/18/2015</a:t>
             </a:fld>
             <a:endParaRPr lang="en-US" dirty="0"/>
           </a:p>
@@ -10394,7 +10394,7 @@
           <a:p>
             <a:fld id="{216C5678-EE20-4FA5-88E2-6E0BD67A2E26}" type="datetime1">
               <a:rPr lang="en-US" smtClean="0"/>
-              <a:t>10/14/2015</a:t>
+              <a:t>10/18/2015</a:t>
             </a:fld>
             <a:endParaRPr lang="en-US" dirty="0"/>
           </a:p>
@@ -16369,7 +16369,7 @@
                     </a:solidFill>
                     <a:latin typeface="Arial" panose="020B0604020202020204" pitchFamily="34" charset="0"/>
                   </a:rPr>
-                  <a:t>Kick</a:t>
+                  <a:t>Reunion</a:t>
                 </a:r>
                 <a:r>
                   <a:rPr lang="es-PE" altLang="es-PE" sz="1200" b="1" dirty="0" smtClean="0">
@@ -16378,17 +16378,14 @@
                     </a:solidFill>
                     <a:latin typeface="Arial" panose="020B0604020202020204" pitchFamily="34" charset="0"/>
                   </a:rPr>
-                  <a:t> </a:t>
+                  <a:t> Externa</a:t>
                 </a:r>
-                <a:r>
-                  <a:rPr lang="es-PE" altLang="es-PE" sz="1200" b="1" dirty="0">
-                    <a:solidFill>
-                      <a:schemeClr val="bg1"/>
-                    </a:solidFill>
-                    <a:latin typeface="Arial" panose="020B0604020202020204" pitchFamily="34" charset="0"/>
-                  </a:rPr>
-                  <a:t>Off Externo</a:t>
-                </a:r>
+                <a:endParaRPr lang="es-PE" altLang="es-PE" sz="1200" b="1" dirty="0">
+                  <a:solidFill>
+                    <a:schemeClr val="bg1"/>
+                  </a:solidFill>
+                  <a:latin typeface="Arial" panose="020B0604020202020204" pitchFamily="34" charset="0"/>
+                </a:endParaRPr>
               </a:p>
               <a:p>
                 <a:pPr marL="173038" indent="-79375">
@@ -17822,27 +17819,8 @@
                           <a:ea typeface="Verdana" panose="020B0604030504040204" pitchFamily="34" charset="0"/>
                           <a:cs typeface="Verdana" panose="020B0604030504040204" pitchFamily="34" charset="0"/>
                         </a:rPr>
-                        <a:t>registra la solicitud de cambio en la Plantilla de Registro de Cambios a </a:t>
+                        <a:t>registra la solicitud de cambio en la Plantilla de Registro de Cambios a Requerimientos.</a:t>
                       </a:r>
-                      <a:r>
-                        <a:rPr lang="es-ES" sz="1200" kern="1200" dirty="0" smtClean="0">
-                          <a:solidFill>
-                            <a:schemeClr val="dk1"/>
-                          </a:solidFill>
-                          <a:latin typeface="+mj-lt"/>
-                          <a:ea typeface="Verdana" panose="020B0604030504040204" pitchFamily="34" charset="0"/>
-                          <a:cs typeface="Verdana" panose="020B0604030504040204" pitchFamily="34" charset="0"/>
-                        </a:rPr>
-                        <a:t>Requerimientos.</a:t>
-                      </a:r>
-                      <a:endParaRPr lang="es-ES" sz="1200" kern="1200" dirty="0" smtClean="0">
-                        <a:solidFill>
-                          <a:schemeClr val="dk1"/>
-                        </a:solidFill>
-                        <a:latin typeface="+mj-lt"/>
-                        <a:ea typeface="Verdana" panose="020B0604030504040204" pitchFamily="34" charset="0"/>
-                        <a:cs typeface="Verdana" panose="020B0604030504040204" pitchFamily="34" charset="0"/>
-                      </a:endParaRPr>
                     </a:p>
                   </a:txBody>
                   <a:tcPr anchor="ctr" horzOverflow="overflow"/>
@@ -17957,18 +17935,7 @@
                           <a:ea typeface="Verdana" panose="020B0604030504040204" pitchFamily="34" charset="0"/>
                           <a:cs typeface="Verdana" panose="020B0604030504040204" pitchFamily="34" charset="0"/>
                         </a:rPr>
-                        <a:t>a </a:t>
-                      </a:r>
-                      <a:r>
-                        <a:rPr lang="es-ES" sz="1200" kern="1200" smtClean="0">
-                          <a:solidFill>
-                            <a:schemeClr val="dk1"/>
-                          </a:solidFill>
-                          <a:latin typeface="+mj-lt"/>
-                          <a:ea typeface="Verdana" panose="020B0604030504040204" pitchFamily="34" charset="0"/>
-                          <a:cs typeface="Verdana" panose="020B0604030504040204" pitchFamily="34" charset="0"/>
-                        </a:rPr>
-                        <a:t>Requerimientos.</a:t>
+                        <a:t>a Requerimientos.</a:t>
                       </a:r>
                       <a:endParaRPr lang="es-ES" sz="1200" kern="1200" dirty="0" smtClean="0">
                         <a:solidFill>
@@ -18490,7 +18457,7 @@
           <a:p>
             <a:fld id="{216C5678-EE20-4FA5-88E2-6E0BD67A2E26}" type="datetime1">
               <a:rPr lang="en-US" smtClean="0"/>
-              <a:t>10/14/2015</a:t>
+              <a:t>10/18/2015</a:t>
             </a:fld>
             <a:endParaRPr lang="en-US" dirty="0"/>
           </a:p>
@@ -18713,7 +18680,7 @@
           <p:nvPr>
             <p:extLst>
               <p:ext uri="{D42A27DB-BD31-4B8C-83A1-F6EECF244321}">
-                <p14:modId xmlns:p14="http://schemas.microsoft.com/office/powerpoint/2010/main" val="2450591311"/>
+                <p14:modId xmlns:p14="http://schemas.microsoft.com/office/powerpoint/2010/main" val="724308860"/>
               </p:ext>
             </p:extLst>
           </p:nvPr>
@@ -19134,7 +19101,7 @@
                       <a:r>
                         <a:rPr lang="es-ES" sz="1200" b="1" kern="1200" dirty="0" smtClean="0">
                           <a:solidFill>
-                            <a:srgbClr val="FF0000"/>
+                            <a:schemeClr val="tx1"/>
                           </a:solidFill>
                           <a:latin typeface="+mj-lt"/>
                           <a:ea typeface="Verdana" panose="020B0604030504040204" pitchFamily="34" charset="0"/>
@@ -19487,7 +19454,7 @@
           <a:p>
             <a:fld id="{216C5678-EE20-4FA5-88E2-6E0BD67A2E26}" type="datetime1">
               <a:rPr lang="en-US" smtClean="0"/>
-              <a:t>10/14/2015</a:t>
+              <a:t>10/18/2015</a:t>
             </a:fld>
             <a:endParaRPr lang="en-US" dirty="0"/>
           </a:p>
@@ -19797,7 +19764,7 @@
           <a:p>
             <a:fld id="{216C5678-EE20-4FA5-88E2-6E0BD67A2E26}" type="datetime1">
               <a:rPr lang="en-US" smtClean="0"/>
-              <a:t>10/14/2015</a:t>
+              <a:t>10/18/2015</a:t>
             </a:fld>
             <a:endParaRPr lang="en-US" dirty="0"/>
           </a:p>
@@ -20075,7 +20042,7 @@
           <a:p>
             <a:fld id="{216C5678-EE20-4FA5-88E2-6E0BD67A2E26}" type="datetime1">
               <a:rPr lang="en-US" smtClean="0"/>
-              <a:t>10/14/2015</a:t>
+              <a:t>10/18/2015</a:t>
             </a:fld>
             <a:endParaRPr lang="en-US" dirty="0"/>
           </a:p>
@@ -20277,7 +20244,7 @@
           <a:p>
             <a:fld id="{216C5678-EE20-4FA5-88E2-6E0BD67A2E26}" type="datetime1">
               <a:rPr lang="en-US" smtClean="0"/>
-              <a:t>10/14/2015</a:t>
+              <a:t>10/18/2015</a:t>
             </a:fld>
             <a:endParaRPr lang="en-US" dirty="0"/>
           </a:p>
@@ -20477,7 +20444,7 @@
           <a:p>
             <a:fld id="{216C5678-EE20-4FA5-88E2-6E0BD67A2E26}" type="datetime1">
               <a:rPr lang="en-US" smtClean="0"/>
-              <a:t>10/14/2015</a:t>
+              <a:t>10/18/2015</a:t>
             </a:fld>
             <a:endParaRPr lang="en-US" dirty="0"/>
           </a:p>
@@ -22930,7 +22897,7 @@
           <a:p>
             <a:fld id="{216C5678-EE20-4FA5-88E2-6E0BD67A2E26}" type="datetime1">
               <a:rPr lang="en-US" smtClean="0"/>
-              <a:t>10/14/2015</a:t>
+              <a:t>10/18/2015</a:t>
             </a:fld>
             <a:endParaRPr lang="en-US" dirty="0"/>
           </a:p>
@@ -25087,7 +25054,7 @@
             <a:fld id="{216C5678-EE20-4FA5-88E2-6E0BD67A2E26}" type="datetime1">
               <a:rPr lang="en-US" smtClean="0"/>
               <a:pPr/>
-              <a:t>10/14/2015</a:t>
+              <a:t>10/18/2015</a:t>
             </a:fld>
             <a:endParaRPr lang="en-US" dirty="0"/>
           </a:p>
@@ -25247,7 +25214,7 @@
           <a:p>
             <a:fld id="{216C5678-EE20-4FA5-88E2-6E0BD67A2E26}" type="datetime1">
               <a:rPr lang="en-US" smtClean="0"/>
-              <a:t>10/14/2015</a:t>
+              <a:t>10/18/2015</a:t>
             </a:fld>
             <a:endParaRPr lang="en-US" dirty="0"/>
           </a:p>
@@ -25612,7 +25579,7 @@
           <a:p>
             <a:fld id="{216C5678-EE20-4FA5-88E2-6E0BD67A2E26}" type="datetime1">
               <a:rPr lang="en-US" smtClean="0"/>
-              <a:t>10/14/2015</a:t>
+              <a:t>10/18/2015</a:t>
             </a:fld>
             <a:endParaRPr lang="en-US" dirty="0"/>
           </a:p>
@@ -25802,7 +25769,7 @@
           <a:p>
             <a:fld id="{216C5678-EE20-4FA5-88E2-6E0BD67A2E26}" type="datetime1">
               <a:rPr lang="en-US" smtClean="0"/>
-              <a:t>10/14/2015</a:t>
+              <a:t>10/18/2015</a:t>
             </a:fld>
             <a:endParaRPr lang="en-US" dirty="0"/>
           </a:p>
@@ -26531,7 +26498,7 @@
           <a:p>
             <a:fld id="{216C5678-EE20-4FA5-88E2-6E0BD67A2E26}" type="datetime1">
               <a:rPr lang="en-US" smtClean="0"/>
-              <a:t>10/14/2015</a:t>
+              <a:t>10/18/2015</a:t>
             </a:fld>
             <a:endParaRPr lang="en-US" dirty="0"/>
           </a:p>
@@ -26694,7 +26661,7 @@
           <a:p>
             <a:fld id="{216C5678-EE20-4FA5-88E2-6E0BD67A2E26}" type="datetime1">
               <a:rPr lang="en-US" smtClean="0"/>
-              <a:t>10/14/2015</a:t>
+              <a:t>10/18/2015</a:t>
             </a:fld>
             <a:endParaRPr lang="en-US" dirty="0"/>
           </a:p>
@@ -26856,7 +26823,7 @@
           <p:nvPr>
             <p:extLst>
               <p:ext uri="{D42A27DB-BD31-4B8C-83A1-F6EECF244321}">
-                <p14:modId xmlns:p14="http://schemas.microsoft.com/office/powerpoint/2010/main" val="1325886543"/>
+                <p14:modId xmlns:p14="http://schemas.microsoft.com/office/powerpoint/2010/main" val="1070679485"/>
               </p:ext>
             </p:extLst>
           </p:nvPr>
@@ -26920,7 +26887,7 @@
           <a:p>
             <a:fld id="{216C5678-EE20-4FA5-88E2-6E0BD67A2E26}" type="datetime1">
               <a:rPr lang="en-US" smtClean="0"/>
-              <a:t>10/14/2015</a:t>
+              <a:t>10/18/2015</a:t>
             </a:fld>
             <a:endParaRPr lang="en-US" dirty="0"/>
           </a:p>
